--- a/lecture_notes/week2/linked_list_intro.pptx
+++ b/lecture_notes/week2/linked_list_intro.pptx
@@ -5,7 +5,8 @@
     <p:sldMasterId id="2147483648" r:id="rId1"/>
   </p:sldMasterIdLst>
   <p:sldIdLst>
-    <p:sldId id="256" r:id="rId2"/>
+    <p:sldId id="257" r:id="rId2"/>
+    <p:sldId id="256" r:id="rId3"/>
   </p:sldIdLst>
   <p:sldSz cx="12192000" cy="6858000"/>
   <p:notesSz cx="6858000" cy="9144000"/>
@@ -104,19 +105,48 @@
       </a:defRPr>
     </a:lvl9pPr>
   </p:defaultTextStyle>
+  <p:extLst>
+    <p:ext uri="{EFAFB233-063F-42B5-8137-9DF3F51BA10A}">
+      <p15:sldGuideLst xmlns:p15="http://schemas.microsoft.com/office/powerpoint/2012/main"/>
+    </p:ext>
+  </p:extLst>
 </p:presentation>
-</file>
-
-<file path=ppt/revisionInfo.xml><?xml version="1.0" encoding="utf-8"?>
-<p1510:revInfo xmlns:a="http://schemas.openxmlformats.org/drawingml/2006/main" xmlns:r="http://schemas.openxmlformats.org/officeDocument/2006/relationships" xmlns:p1510="http://schemas.microsoft.com/office/powerpoint/2015/10/main">
-  <p1510:revLst>
-    <p1510:client id="{BACA09CE-7CDD-4DCE-AA04-2DE1397E9007}" v="7" dt="2023-05-15T20:48:52.153"/>
-  </p1510:revLst>
-</p1510:revInfo>
 </file>
 
 <file path=ppt/changesInfos/changesInfo1.xml><?xml version="1.0" encoding="utf-8"?>
 <pc:chgInfo xmlns:a="http://schemas.openxmlformats.org/drawingml/2006/main" xmlns:r="http://schemas.openxmlformats.org/officeDocument/2006/relationships" xmlns:ac="http://schemas.microsoft.com/office/drawing/2013/main/command" xmlns:pc="http://schemas.microsoft.com/office/powerpoint/2013/main/command">
+  <pc:docChgLst>
+    <pc:chgData name="Toby Donaldson" userId="2e6e5431-bb17-4c41-9985-d39c50d83c73" providerId="ADAL" clId="{B5FDCC3A-727F-4296-9CA7-21563D4DCC5A}"/>
+    <pc:docChg chg="custSel addSld modSld sldOrd">
+      <pc:chgData name="Toby Donaldson" userId="2e6e5431-bb17-4c41-9985-d39c50d83c73" providerId="ADAL" clId="{B5FDCC3A-727F-4296-9CA7-21563D4DCC5A}" dt="2023-09-06T03:23:32.964" v="39" actId="20577"/>
+      <pc:docMkLst>
+        <pc:docMk/>
+      </pc:docMkLst>
+      <pc:sldChg chg="addSp modSp new mod ord modClrScheme chgLayout">
+        <pc:chgData name="Toby Donaldson" userId="2e6e5431-bb17-4c41-9985-d39c50d83c73" providerId="ADAL" clId="{B5FDCC3A-727F-4296-9CA7-21563D4DCC5A}" dt="2023-09-06T03:23:32.964" v="39" actId="20577"/>
+        <pc:sldMkLst>
+          <pc:docMk/>
+          <pc:sldMk cId="491522850" sldId="257"/>
+        </pc:sldMkLst>
+        <pc:spChg chg="add mod">
+          <ac:chgData name="Toby Donaldson" userId="2e6e5431-bb17-4c41-9985-d39c50d83c73" providerId="ADAL" clId="{B5FDCC3A-727F-4296-9CA7-21563D4DCC5A}" dt="2023-09-06T03:23:23.612" v="9" actId="20577"/>
+          <ac:spMkLst>
+            <pc:docMk/>
+            <pc:sldMk cId="491522850" sldId="257"/>
+            <ac:spMk id="2" creationId="{033EDD1E-7FE0-37CF-F79C-7669DCF832CA}"/>
+          </ac:spMkLst>
+        </pc:spChg>
+        <pc:spChg chg="add mod">
+          <ac:chgData name="Toby Donaldson" userId="2e6e5431-bb17-4c41-9985-d39c50d83c73" providerId="ADAL" clId="{B5FDCC3A-727F-4296-9CA7-21563D4DCC5A}" dt="2023-09-06T03:23:32.964" v="39" actId="20577"/>
+          <ac:spMkLst>
+            <pc:docMk/>
+            <pc:sldMk cId="491522850" sldId="257"/>
+            <ac:spMk id="3" creationId="{2844911A-BE2D-2A98-7247-DB56D4548091}"/>
+          </ac:spMkLst>
+        </pc:spChg>
+      </pc:sldChg>
+    </pc:docChg>
+  </pc:docChgLst>
   <pc:docChgLst>
     <pc:chgData name="Toby Donaldson" userId="2e6e5431-bb17-4c41-9985-d39c50d83c73" providerId="ADAL" clId="{BACA09CE-7CDD-4DCE-AA04-2DE1397E9007}"/>
     <pc:docChg chg="undo custSel addSld modSld">
@@ -501,7 +531,7 @@
           <a:p>
             <a:fld id="{D9A7EA46-0536-4D79-903D-DCEAC14DEEF3}" type="datetimeFigureOut">
               <a:rPr lang="en-AU" smtClean="0"/>
-              <a:t>15/05/2023</a:t>
+              <a:t>5/09/2023</a:t>
             </a:fld>
             <a:endParaRPr lang="en-AU"/>
           </a:p>
@@ -701,7 +731,7 @@
           <a:p>
             <a:fld id="{D9A7EA46-0536-4D79-903D-DCEAC14DEEF3}" type="datetimeFigureOut">
               <a:rPr lang="en-AU" smtClean="0"/>
-              <a:t>15/05/2023</a:t>
+              <a:t>5/09/2023</a:t>
             </a:fld>
             <a:endParaRPr lang="en-AU"/>
           </a:p>
@@ -911,7 +941,7 @@
           <a:p>
             <a:fld id="{D9A7EA46-0536-4D79-903D-DCEAC14DEEF3}" type="datetimeFigureOut">
               <a:rPr lang="en-AU" smtClean="0"/>
-              <a:t>15/05/2023</a:t>
+              <a:t>5/09/2023</a:t>
             </a:fld>
             <a:endParaRPr lang="en-AU"/>
           </a:p>
@@ -1111,7 +1141,7 @@
           <a:p>
             <a:fld id="{D9A7EA46-0536-4D79-903D-DCEAC14DEEF3}" type="datetimeFigureOut">
               <a:rPr lang="en-AU" smtClean="0"/>
-              <a:t>15/05/2023</a:t>
+              <a:t>5/09/2023</a:t>
             </a:fld>
             <a:endParaRPr lang="en-AU"/>
           </a:p>
@@ -1387,7 +1417,7 @@
           <a:p>
             <a:fld id="{D9A7EA46-0536-4D79-903D-DCEAC14DEEF3}" type="datetimeFigureOut">
               <a:rPr lang="en-AU" smtClean="0"/>
-              <a:t>15/05/2023</a:t>
+              <a:t>5/09/2023</a:t>
             </a:fld>
             <a:endParaRPr lang="en-AU"/>
           </a:p>
@@ -1655,7 +1685,7 @@
           <a:p>
             <a:fld id="{D9A7EA46-0536-4D79-903D-DCEAC14DEEF3}" type="datetimeFigureOut">
               <a:rPr lang="en-AU" smtClean="0"/>
-              <a:t>15/05/2023</a:t>
+              <a:t>5/09/2023</a:t>
             </a:fld>
             <a:endParaRPr lang="en-AU"/>
           </a:p>
@@ -2070,7 +2100,7 @@
           <a:p>
             <a:fld id="{D9A7EA46-0536-4D79-903D-DCEAC14DEEF3}" type="datetimeFigureOut">
               <a:rPr lang="en-AU" smtClean="0"/>
-              <a:t>15/05/2023</a:t>
+              <a:t>5/09/2023</a:t>
             </a:fld>
             <a:endParaRPr lang="en-AU"/>
           </a:p>
@@ -2212,7 +2242,7 @@
           <a:p>
             <a:fld id="{D9A7EA46-0536-4D79-903D-DCEAC14DEEF3}" type="datetimeFigureOut">
               <a:rPr lang="en-AU" smtClean="0"/>
-              <a:t>15/05/2023</a:t>
+              <a:t>5/09/2023</a:t>
             </a:fld>
             <a:endParaRPr lang="en-AU"/>
           </a:p>
@@ -2325,7 +2355,7 @@
           <a:p>
             <a:fld id="{D9A7EA46-0536-4D79-903D-DCEAC14DEEF3}" type="datetimeFigureOut">
               <a:rPr lang="en-AU" smtClean="0"/>
-              <a:t>15/05/2023</a:t>
+              <a:t>5/09/2023</a:t>
             </a:fld>
             <a:endParaRPr lang="en-AU"/>
           </a:p>
@@ -2638,7 +2668,7 @@
           <a:p>
             <a:fld id="{D9A7EA46-0536-4D79-903D-DCEAC14DEEF3}" type="datetimeFigureOut">
               <a:rPr lang="en-AU" smtClean="0"/>
-              <a:t>15/05/2023</a:t>
+              <a:t>5/09/2023</a:t>
             </a:fld>
             <a:endParaRPr lang="en-AU"/>
           </a:p>
@@ -2927,7 +2957,7 @@
           <a:p>
             <a:fld id="{D9A7EA46-0536-4D79-903D-DCEAC14DEEF3}" type="datetimeFigureOut">
               <a:rPr lang="en-AU" smtClean="0"/>
-              <a:t>15/05/2023</a:t>
+              <a:t>5/09/2023</a:t>
             </a:fld>
             <a:endParaRPr lang="en-AU"/>
           </a:p>
@@ -3170,7 +3200,7 @@
           <a:p>
             <a:fld id="{D9A7EA46-0536-4D79-903D-DCEAC14DEEF3}" type="datetimeFigureOut">
               <a:rPr lang="en-AU" smtClean="0"/>
-              <a:t>15/05/2023</a:t>
+              <a:t>5/09/2023</a:t>
             </a:fld>
             <a:endParaRPr lang="en-AU"/>
           </a:p>
@@ -3587,6 +3617,101 @@
           <a:chExt cx="0" cy="0"/>
         </a:xfrm>
       </p:grpSpPr>
+      <p:sp>
+        <p:nvSpPr>
+          <p:cNvPr id="2" name="Title 1">
+            <a:extLst>
+              <a:ext uri="{FF2B5EF4-FFF2-40B4-BE49-F238E27FC236}">
+                <a16:creationId xmlns:a16="http://schemas.microsoft.com/office/drawing/2014/main" id="{033EDD1E-7FE0-37CF-F79C-7669DCF832CA}"/>
+              </a:ext>
+            </a:extLst>
+          </p:cNvPr>
+          <p:cNvSpPr>
+            <a:spLocks noGrp="1"/>
+          </p:cNvSpPr>
+          <p:nvPr>
+            <p:ph type="ctrTitle"/>
+          </p:nvPr>
+        </p:nvSpPr>
+        <p:spPr/>
+        <p:txBody>
+          <a:bodyPr/>
+          <a:lstStyle/>
+          <a:p>
+            <a:r>
+              <a:rPr lang="en-CA" dirty="0"/>
+              <a:t>Week 2</a:t>
+            </a:r>
+            <a:endParaRPr lang="en-AU" dirty="0"/>
+          </a:p>
+        </p:txBody>
+      </p:sp>
+      <p:sp>
+        <p:nvSpPr>
+          <p:cNvPr id="3" name="Subtitle 2">
+            <a:extLst>
+              <a:ext uri="{FF2B5EF4-FFF2-40B4-BE49-F238E27FC236}">
+                <a16:creationId xmlns:a16="http://schemas.microsoft.com/office/drawing/2014/main" id="{2844911A-BE2D-2A98-7247-DB56D4548091}"/>
+              </a:ext>
+            </a:extLst>
+          </p:cNvPr>
+          <p:cNvSpPr>
+            <a:spLocks noGrp="1"/>
+          </p:cNvSpPr>
+          <p:nvPr>
+            <p:ph type="subTitle" idx="1"/>
+          </p:nvPr>
+        </p:nvSpPr>
+        <p:spPr/>
+        <p:txBody>
+          <a:bodyPr/>
+          <a:lstStyle/>
+          <a:p>
+            <a:r>
+              <a:rPr lang="en-CA" dirty="0"/>
+              <a:t>CMPT 225, Fall 2023</a:t>
+            </a:r>
+            <a:br>
+              <a:rPr lang="en-CA" dirty="0"/>
+            </a:br>
+            <a:r>
+              <a:rPr lang="en-CA" dirty="0"/>
+              <a:t>SFU Surrey</a:t>
+            </a:r>
+            <a:endParaRPr lang="en-AU" dirty="0"/>
+          </a:p>
+        </p:txBody>
+      </p:sp>
+    </p:spTree>
+    <p:extLst>
+      <p:ext uri="{BB962C8B-B14F-4D97-AF65-F5344CB8AC3E}">
+        <p14:creationId xmlns:p14="http://schemas.microsoft.com/office/powerpoint/2010/main" val="491522850"/>
+      </p:ext>
+    </p:extLst>
+  </p:cSld>
+  <p:clrMapOvr>
+    <a:masterClrMapping/>
+  </p:clrMapOvr>
+</p:sld>
+</file>
+
+<file path=ppt/slides/slide2.xml><?xml version="1.0" encoding="utf-8"?>
+<p:sld xmlns:a="http://schemas.openxmlformats.org/drawingml/2006/main" xmlns:r="http://schemas.openxmlformats.org/officeDocument/2006/relationships" xmlns:p="http://schemas.openxmlformats.org/presentationml/2006/main">
+  <p:cSld>
+    <p:spTree>
+      <p:nvGrpSpPr>
+        <p:cNvPr id="1" name=""/>
+        <p:cNvGrpSpPr/>
+        <p:nvPr/>
+      </p:nvGrpSpPr>
+      <p:grpSpPr>
+        <a:xfrm>
+          <a:off x="0" y="0"/>
+          <a:ext cx="0" cy="0"/>
+          <a:chOff x="0" y="0"/>
+          <a:chExt cx="0" cy="0"/>
+        </a:xfrm>
+      </p:grpSpPr>
       <p:grpSp>
         <p:nvGrpSpPr>
           <p:cNvPr id="6" name="Group 5">
